--- a/ClassExamples/Week4/A2.Chapter8-Xform.pptx
+++ b/ClassExamples/Week4/A2.Chapter8-Xform.pptx
@@ -735,7 +735,7 @@
             </a:extLst>
           </p:cNvPr>
           <p:cNvSpPr>
-            <a:spLocks noRot="1" noChangeArrowheads="1" noTextEdit="1"/>
+            <a:spLocks noGrp="1" noRot="1" noChangeAspect="1" noChangeArrowheads="1" noTextEdit="1"/>
           </p:cNvSpPr>
           <p:nvPr>
             <p:ph type="sldImg" idx="2"/>
@@ -8355,8 +8355,8 @@
           </a:extLst>
         </p:spPr>
       </p:pic>
-      <mc:AlternateContent xmlns:mc="http://schemas.openxmlformats.org/markup-compatibility/2006">
-        <mc:Choice xmlns:a14="http://schemas.microsoft.com/office/drawing/2010/main" Requires="a14">
+      <mc:AlternateContent xmlns:mc="http://schemas.openxmlformats.org/markup-compatibility/2006" xmlns:a14="http://schemas.microsoft.com/office/drawing/2010/main">
+        <mc:Choice Requires="a14">
           <p:sp>
             <p:nvSpPr>
               <p:cNvPr id="10" name="Rectangle 9">
@@ -8384,6 +8384,7 @@
               </a:bodyPr>
               <a:lstStyle/>
               <a:p>
+                <a:pPr/>
                 <a14:m>
                   <m:oMathPara xmlns:m="http://schemas.openxmlformats.org/officeDocument/2006/math">
                     <m:oMathParaPr>
@@ -8517,7 +8518,7 @@
             </p:txBody>
           </p:sp>
         </mc:Choice>
-        <mc:Fallback>
+        <mc:Fallback xmlns="">
           <p:sp>
             <p:nvSpPr>
               <p:cNvPr id="10" name="Rectangle 9">
@@ -8562,8 +8563,8 @@
           </p:sp>
         </mc:Fallback>
       </mc:AlternateContent>
-      <mc:AlternateContent xmlns:mc="http://schemas.openxmlformats.org/markup-compatibility/2006">
-        <mc:Choice xmlns:a14="http://schemas.microsoft.com/office/drawing/2010/main" Requires="a14">
+      <mc:AlternateContent xmlns:mc="http://schemas.openxmlformats.org/markup-compatibility/2006" xmlns:a14="http://schemas.microsoft.com/office/drawing/2010/main">
+        <mc:Choice Requires="a14">
           <p:sp>
             <p:nvSpPr>
               <p:cNvPr id="11" name="Rectangle 10">
@@ -8591,6 +8592,7 @@
               </a:bodyPr>
               <a:lstStyle/>
               <a:p>
+                <a:pPr/>
                 <a14:m>
                   <m:oMathPara xmlns:m="http://schemas.openxmlformats.org/officeDocument/2006/math">
                     <m:oMathParaPr>
@@ -8707,13 +8709,7 @@
                                       <a:rPr lang="en-US" altLang="en-US" b="0" i="1" smtClean="0">
                                         <a:latin typeface="Cambria Math" panose="02040503050406030204" pitchFamily="18" charset="0"/>
                                       </a:rPr>
-                                      <m:t>𝑎</m:t>
-                                    </m:r>
-                                    <m:r>
-                                      <a:rPr lang="en-US" altLang="en-US" b="0" i="1" smtClean="0">
-                                        <a:latin typeface="Cambria Math" panose="02040503050406030204" pitchFamily="18" charset="0"/>
-                                      </a:rPr>
-                                      <m:t>𝑠</m:t>
+                                      <m:t>𝑎𝑠</m:t>
                                     </m:r>
                                   </m:sub>
                                 </m:sSub>
@@ -8886,7 +8882,7 @@
             </p:txBody>
           </p:sp>
         </mc:Choice>
-        <mc:Fallback>
+        <mc:Fallback xmlns="">
           <p:sp>
             <p:nvSpPr>
               <p:cNvPr id="11" name="Rectangle 10">
@@ -8931,8 +8927,8 @@
           </p:sp>
         </mc:Fallback>
       </mc:AlternateContent>
-      <mc:AlternateContent xmlns:mc="http://schemas.openxmlformats.org/markup-compatibility/2006">
-        <mc:Choice xmlns:a14="http://schemas.microsoft.com/office/drawing/2010/main" Requires="a14">
+      <mc:AlternateContent xmlns:mc="http://schemas.openxmlformats.org/markup-compatibility/2006" xmlns:a14="http://schemas.microsoft.com/office/drawing/2010/main">
+        <mc:Choice Requires="a14">
           <p:sp>
             <p:nvSpPr>
               <p:cNvPr id="12" name="Rectangle 11">
@@ -8960,6 +8956,7 @@
               </a:bodyPr>
               <a:lstStyle/>
               <a:p>
+                <a:pPr/>
                 <a14:m>
                   <m:oMathPara xmlns:m="http://schemas.openxmlformats.org/officeDocument/2006/math">
                     <m:oMathParaPr>
@@ -8987,13 +8984,7 @@
                             <a:rPr lang="en-US" altLang="en-US" b="0" i="1" smtClean="0">
                               <a:latin typeface="Cambria Math" panose="02040503050406030204" pitchFamily="18" charset="0"/>
                             </a:rPr>
-                            <m:t>𝑎</m:t>
-                          </m:r>
-                          <m:r>
-                            <a:rPr lang="en-US" altLang="en-US" b="0" i="1" smtClean="0">
-                              <a:latin typeface="Cambria Math" panose="02040503050406030204" pitchFamily="18" charset="0"/>
-                            </a:rPr>
-                            <m:t>𝑠</m:t>
+                            <m:t>𝑎𝑠</m:t>
                           </m:r>
                         </m:sub>
                       </m:sSub>
@@ -9152,7 +9143,7 @@
             </p:txBody>
           </p:sp>
         </mc:Choice>
-        <mc:Fallback>
+        <mc:Fallback xmlns="">
           <p:sp>
             <p:nvSpPr>
               <p:cNvPr id="12" name="Rectangle 11">
@@ -9466,7 +9457,7 @@
             </a:extLst>
           </p:cNvPr>
           <p:cNvSpPr>
-            <a:spLocks noChangeAspect="1" noChangeArrowheads="1"/>
+            <a:spLocks noGrp="1" noChangeAspect="1" noChangeArrowheads="1"/>
           </p:cNvSpPr>
           <p:nvPr>
             <p:ph type="body" idx="1"/>
@@ -9647,8 +9638,8 @@
           </a:extLst>
         </p:spPr>
       </p:pic>
-      <mc:AlternateContent xmlns:mc="http://schemas.openxmlformats.org/markup-compatibility/2006">
-        <mc:Choice xmlns:a14="http://schemas.microsoft.com/office/drawing/2010/main" Requires="a14">
+      <mc:AlternateContent xmlns:mc="http://schemas.openxmlformats.org/markup-compatibility/2006" xmlns:a14="http://schemas.microsoft.com/office/drawing/2010/main">
+        <mc:Choice Requires="a14">
           <p:sp>
             <p:nvSpPr>
               <p:cNvPr id="9" name="Rectangle 8">
@@ -9676,6 +9667,7 @@
               </a:bodyPr>
               <a:lstStyle/>
               <a:p>
+                <a:pPr/>
                 <a14:m>
                   <m:oMathPara xmlns:m="http://schemas.openxmlformats.org/officeDocument/2006/math">
                     <m:oMathParaPr>
@@ -9868,7 +9860,7 @@
             </p:txBody>
           </p:sp>
         </mc:Choice>
-        <mc:Fallback>
+        <mc:Fallback xmlns="">
           <p:sp>
             <p:nvSpPr>
               <p:cNvPr id="9" name="Rectangle 8">
@@ -9913,8 +9905,8 @@
           </p:sp>
         </mc:Fallback>
       </mc:AlternateContent>
-      <mc:AlternateContent xmlns:mc="http://schemas.openxmlformats.org/markup-compatibility/2006">
-        <mc:Choice xmlns:a14="http://schemas.microsoft.com/office/drawing/2010/main" Requires="a14">
+      <mc:AlternateContent xmlns:mc="http://schemas.openxmlformats.org/markup-compatibility/2006" xmlns:a14="http://schemas.microsoft.com/office/drawing/2010/main">
+        <mc:Choice Requires="a14">
           <p:sp>
             <p:nvSpPr>
               <p:cNvPr id="10" name="Rectangle 9">
@@ -9942,6 +9934,7 @@
               </a:bodyPr>
               <a:lstStyle/>
               <a:p>
+                <a:pPr/>
                 <a14:m>
                   <m:oMathPara xmlns:m="http://schemas.openxmlformats.org/officeDocument/2006/math">
                     <m:oMathParaPr>
@@ -10058,13 +10051,7 @@
                                       <a:rPr lang="en-US" altLang="en-US" b="0" i="1" smtClean="0">
                                         <a:latin typeface="Cambria Math" panose="02040503050406030204" pitchFamily="18" charset="0"/>
                                       </a:rPr>
-                                      <m:t>𝑎</m:t>
-                                    </m:r>
-                                    <m:r>
-                                      <a:rPr lang="en-US" altLang="en-US" b="0" i="1" smtClean="0">
-                                        <a:latin typeface="Cambria Math" panose="02040503050406030204" pitchFamily="18" charset="0"/>
-                                      </a:rPr>
-                                      <m:t>𝑠</m:t>
+                                      <m:t>𝑎𝑠</m:t>
                                     </m:r>
                                   </m:sub>
                                 </m:sSub>
@@ -10185,6 +10172,7 @@
                 </a:endParaRPr>
               </a:p>
               <a:p>
+                <a:pPr/>
                 <a14:m>
                   <m:oMathPara xmlns:m="http://schemas.openxmlformats.org/officeDocument/2006/math">
                     <m:oMathParaPr>
@@ -10482,7 +10470,7 @@
             </p:txBody>
           </p:sp>
         </mc:Choice>
-        <mc:Fallback>
+        <mc:Fallback xmlns="">
           <p:sp>
             <p:nvSpPr>
               <p:cNvPr id="10" name="Rectangle 9">
@@ -13143,8 +13131,8 @@
           </a:extLst>
         </p:spPr>
       </p:pic>
-      <mc:AlternateContent xmlns:mc="http://schemas.openxmlformats.org/markup-compatibility/2006">
-        <mc:Choice xmlns:a14="http://schemas.microsoft.com/office/drawing/2010/main" Requires="a14">
+      <mc:AlternateContent xmlns:mc="http://schemas.openxmlformats.org/markup-compatibility/2006" xmlns:a14="http://schemas.microsoft.com/office/drawing/2010/main">
+        <mc:Choice Requires="a14">
           <p:sp>
             <p:nvSpPr>
               <p:cNvPr id="10" name="Rectangle 9">
@@ -13172,6 +13160,7 @@
               </a:bodyPr>
               <a:lstStyle/>
               <a:p>
+                <a:pPr/>
                 <a14:m>
                   <m:oMathPara xmlns:m="http://schemas.openxmlformats.org/officeDocument/2006/math">
                     <m:oMathParaPr>
@@ -13305,7 +13294,7 @@
             </p:txBody>
           </p:sp>
         </mc:Choice>
-        <mc:Fallback>
+        <mc:Fallback xmlns="">
           <p:sp>
             <p:nvSpPr>
               <p:cNvPr id="10" name="Rectangle 9">
@@ -13350,8 +13339,8 @@
           </p:sp>
         </mc:Fallback>
       </mc:AlternateContent>
-      <mc:AlternateContent xmlns:mc="http://schemas.openxmlformats.org/markup-compatibility/2006">
-        <mc:Choice xmlns:a14="http://schemas.microsoft.com/office/drawing/2010/main" Requires="a14">
+      <mc:AlternateContent xmlns:mc="http://schemas.openxmlformats.org/markup-compatibility/2006" xmlns:a14="http://schemas.microsoft.com/office/drawing/2010/main">
+        <mc:Choice Requires="a14">
           <p:sp>
             <p:nvSpPr>
               <p:cNvPr id="11" name="Rectangle 10">
@@ -13379,6 +13368,7 @@
               </a:bodyPr>
               <a:lstStyle/>
               <a:p>
+                <a:pPr/>
                 <a14:m>
                   <m:oMathPara xmlns:m="http://schemas.openxmlformats.org/officeDocument/2006/math">
                     <m:oMathParaPr>
@@ -13495,13 +13485,7 @@
                                       <a:rPr lang="en-US" altLang="en-US" b="0" i="1" smtClean="0">
                                         <a:latin typeface="Cambria Math" panose="02040503050406030204" pitchFamily="18" charset="0"/>
                                       </a:rPr>
-                                      <m:t>𝑎</m:t>
-                                    </m:r>
-                                    <m:r>
-                                      <a:rPr lang="en-US" altLang="en-US" b="0" i="1" smtClean="0">
-                                        <a:latin typeface="Cambria Math" panose="02040503050406030204" pitchFamily="18" charset="0"/>
-                                      </a:rPr>
-                                      <m:t>𝑟</m:t>
+                                      <m:t>𝑎𝑟</m:t>
                                     </m:r>
                                   </m:sub>
                                 </m:sSub>
@@ -13792,7 +13776,7 @@
             </p:txBody>
           </p:sp>
         </mc:Choice>
-        <mc:Fallback>
+        <mc:Fallback xmlns="">
           <p:sp>
             <p:nvSpPr>
               <p:cNvPr id="11" name="Rectangle 10">
@@ -13837,8 +13821,8 @@
           </p:sp>
         </mc:Fallback>
       </mc:AlternateContent>
-      <mc:AlternateContent xmlns:mc="http://schemas.openxmlformats.org/markup-compatibility/2006">
-        <mc:Choice xmlns:a14="http://schemas.microsoft.com/office/drawing/2010/main" Requires="a14">
+      <mc:AlternateContent xmlns:mc="http://schemas.openxmlformats.org/markup-compatibility/2006" xmlns:a14="http://schemas.microsoft.com/office/drawing/2010/main">
+        <mc:Choice Requires="a14">
           <p:sp>
             <p:nvSpPr>
               <p:cNvPr id="12" name="Rectangle 11">
@@ -13866,6 +13850,7 @@
               </a:bodyPr>
               <a:lstStyle/>
               <a:p>
+                <a:pPr/>
                 <a14:m>
                   <m:oMathPara xmlns:m="http://schemas.openxmlformats.org/officeDocument/2006/math">
                     <m:oMathParaPr>
@@ -13893,13 +13878,7 @@
                             <a:rPr lang="en-US" altLang="en-US" b="0" i="1" smtClean="0">
                               <a:latin typeface="Cambria Math" panose="02040503050406030204" pitchFamily="18" charset="0"/>
                             </a:rPr>
-                            <m:t>𝑎</m:t>
-                          </m:r>
-                          <m:r>
-                            <a:rPr lang="en-US" altLang="en-US" b="0" i="1" smtClean="0">
-                              <a:latin typeface="Cambria Math" panose="02040503050406030204" pitchFamily="18" charset="0"/>
-                            </a:rPr>
-                            <m:t>𝑟</m:t>
+                            <m:t>𝑎𝑟</m:t>
                           </m:r>
                         </m:sub>
                       </m:sSub>
@@ -14015,7 +13994,7 @@
             </p:txBody>
           </p:sp>
         </mc:Choice>
-        <mc:Fallback>
+        <mc:Fallback xmlns="">
           <p:sp>
             <p:nvSpPr>
               <p:cNvPr id="12" name="Rectangle 11">
@@ -14329,7 +14308,7 @@
             </a:extLst>
           </p:cNvPr>
           <p:cNvSpPr>
-            <a:spLocks noChangeAspect="1" noChangeArrowheads="1"/>
+            <a:spLocks noGrp="1" noChangeAspect="1" noChangeArrowheads="1"/>
           </p:cNvSpPr>
           <p:nvPr>
             <p:ph type="body" idx="1"/>
@@ -14510,8 +14489,8 @@
           </a:extLst>
         </p:spPr>
       </p:pic>
-      <mc:AlternateContent xmlns:mc="http://schemas.openxmlformats.org/markup-compatibility/2006">
-        <mc:Choice xmlns:a14="http://schemas.microsoft.com/office/drawing/2010/main" Requires="a14">
+      <mc:AlternateContent xmlns:mc="http://schemas.openxmlformats.org/markup-compatibility/2006" xmlns:a14="http://schemas.microsoft.com/office/drawing/2010/main">
+        <mc:Choice Requires="a14">
           <p:sp>
             <p:nvSpPr>
               <p:cNvPr id="9" name="Rectangle 8">
@@ -14539,6 +14518,7 @@
               </a:bodyPr>
               <a:lstStyle/>
               <a:p>
+                <a:pPr/>
                 <a14:m>
                   <m:oMathPara xmlns:m="http://schemas.openxmlformats.org/officeDocument/2006/math">
                     <m:oMathParaPr>
@@ -14731,7 +14711,7 @@
             </p:txBody>
           </p:sp>
         </mc:Choice>
-        <mc:Fallback>
+        <mc:Fallback xmlns="">
           <p:sp>
             <p:nvSpPr>
               <p:cNvPr id="9" name="Rectangle 8">
@@ -14776,8 +14756,8 @@
           </p:sp>
         </mc:Fallback>
       </mc:AlternateContent>
-      <mc:AlternateContent xmlns:mc="http://schemas.openxmlformats.org/markup-compatibility/2006">
-        <mc:Choice xmlns:a14="http://schemas.microsoft.com/office/drawing/2010/main" Requires="a14">
+      <mc:AlternateContent xmlns:mc="http://schemas.openxmlformats.org/markup-compatibility/2006" xmlns:a14="http://schemas.microsoft.com/office/drawing/2010/main">
+        <mc:Choice Requires="a14">
           <p:sp>
             <p:nvSpPr>
               <p:cNvPr id="10" name="Rectangle 9">
@@ -14805,6 +14785,7 @@
               </a:bodyPr>
               <a:lstStyle/>
               <a:p>
+                <a:pPr/>
                 <a14:m>
                   <m:oMathPara xmlns:m="http://schemas.openxmlformats.org/officeDocument/2006/math">
                     <m:oMathParaPr>
@@ -14921,13 +14902,7 @@
                                       <a:rPr lang="en-US" altLang="en-US" b="0" i="1" smtClean="0">
                                         <a:latin typeface="Cambria Math" panose="02040503050406030204" pitchFamily="18" charset="0"/>
                                       </a:rPr>
-                                      <m:t>𝑎</m:t>
-                                    </m:r>
-                                    <m:r>
-                                      <a:rPr lang="en-US" altLang="en-US" b="0" i="1" smtClean="0">
-                                        <a:latin typeface="Cambria Math" panose="02040503050406030204" pitchFamily="18" charset="0"/>
-                                      </a:rPr>
-                                      <m:t>𝑟</m:t>
+                                      <m:t>𝑎𝑟</m:t>
                                     </m:r>
                                   </m:sub>
                                 </m:sSub>
@@ -15005,6 +14980,7 @@
                 </a:endParaRPr>
               </a:p>
               <a:p>
+                <a:pPr/>
                 <a14:m>
                   <m:oMathPara xmlns:m="http://schemas.openxmlformats.org/officeDocument/2006/math">
                     <m:oMathParaPr>
@@ -15275,7 +15251,7 @@
             </p:txBody>
           </p:sp>
         </mc:Choice>
-        <mc:Fallback>
+        <mc:Fallback xmlns="">
           <p:sp>
             <p:nvSpPr>
               <p:cNvPr id="10" name="Rectangle 9">
@@ -17644,8 +17620,8 @@
           </a:extLst>
         </p:spPr>
       </p:pic>
-      <mc:AlternateContent xmlns:mc="http://schemas.openxmlformats.org/markup-compatibility/2006">
-        <mc:Choice xmlns:a14="http://schemas.microsoft.com/office/drawing/2010/main" Requires="a14">
+      <mc:AlternateContent xmlns:mc="http://schemas.openxmlformats.org/markup-compatibility/2006" xmlns:a14="http://schemas.microsoft.com/office/drawing/2010/main">
+        <mc:Choice Requires="a14">
           <p:sp>
             <p:nvSpPr>
               <p:cNvPr id="11" name="Rectangle 10">
@@ -17673,6 +17649,7 @@
               </a:bodyPr>
               <a:lstStyle/>
               <a:p>
+                <a:pPr/>
                 <a14:m>
                   <m:oMathPara xmlns:m="http://schemas.openxmlformats.org/officeDocument/2006/math">
                     <m:oMathParaPr>
@@ -17835,7 +17812,7 @@
             </p:txBody>
           </p:sp>
         </mc:Choice>
-        <mc:Fallback>
+        <mc:Fallback xmlns="">
           <p:sp>
             <p:nvSpPr>
               <p:cNvPr id="11" name="Rectangle 10">
@@ -17880,8 +17857,8 @@
           </p:sp>
         </mc:Fallback>
       </mc:AlternateContent>
-      <mc:AlternateContent xmlns:mc="http://schemas.openxmlformats.org/markup-compatibility/2006">
-        <mc:Choice xmlns:a14="http://schemas.microsoft.com/office/drawing/2010/main" Requires="a14">
+      <mc:AlternateContent xmlns:mc="http://schemas.openxmlformats.org/markup-compatibility/2006" xmlns:a14="http://schemas.microsoft.com/office/drawing/2010/main">
+        <mc:Choice Requires="a14">
           <p:sp>
             <p:nvSpPr>
               <p:cNvPr id="12" name="Rectangle 11">
@@ -17909,6 +17886,7 @@
               </a:bodyPr>
               <a:lstStyle/>
               <a:p>
+                <a:pPr/>
                 <a14:m>
                   <m:oMathPara xmlns:m="http://schemas.openxmlformats.org/officeDocument/2006/math">
                     <m:oMathParaPr>
@@ -18075,7 +18053,7 @@
             </p:txBody>
           </p:sp>
         </mc:Choice>
-        <mc:Fallback>
+        <mc:Fallback xmlns="">
           <p:sp>
             <p:nvSpPr>
               <p:cNvPr id="12" name="Rectangle 11">
@@ -18875,8 +18853,8 @@
           </a:extLst>
         </p:spPr>
       </p:pic>
-      <mc:AlternateContent xmlns:mc="http://schemas.openxmlformats.org/markup-compatibility/2006">
-        <mc:Choice xmlns:a14="http://schemas.microsoft.com/office/drawing/2010/main" Requires="a14">
+      <mc:AlternateContent xmlns:mc="http://schemas.openxmlformats.org/markup-compatibility/2006" xmlns:a14="http://schemas.microsoft.com/office/drawing/2010/main">
+        <mc:Choice Requires="a14">
           <p:sp>
             <p:nvSpPr>
               <p:cNvPr id="2" name="Rectangle 1">
@@ -18904,6 +18882,7 @@
               </a:bodyPr>
               <a:lstStyle/>
               <a:p>
+                <a:pPr/>
                 <a14:m>
                   <m:oMathPara xmlns:m="http://schemas.openxmlformats.org/officeDocument/2006/math">
                     <m:oMathParaPr>
@@ -19144,7 +19123,7 @@
             </p:txBody>
           </p:sp>
         </mc:Choice>
-        <mc:Fallback>
+        <mc:Fallback xmlns="">
           <p:sp>
             <p:nvSpPr>
               <p:cNvPr id="2" name="Rectangle 1">
@@ -19473,44 +19452,44 @@
           <a:p>
             <a:pPr eaLnBrk="1" hangingPunct="1"/>
             <a:r>
-              <a:rPr lang="en-US" altLang="en-US"/>
+              <a:rPr lang="en-US" altLang="en-US" dirty="0"/>
               <a:t>About Z-axis</a:t>
             </a:r>
           </a:p>
           <a:p>
             <a:pPr eaLnBrk="1" hangingPunct="1"/>
-            <a:endParaRPr lang="en-US" altLang="en-US"/>
+            <a:endParaRPr lang="en-US" altLang="en-US" dirty="0"/>
           </a:p>
           <a:p>
             <a:pPr eaLnBrk="1" hangingPunct="1"/>
-            <a:endParaRPr lang="en-US" altLang="en-US"/>
+            <a:endParaRPr lang="en-US" altLang="en-US" dirty="0"/>
           </a:p>
           <a:p>
             <a:pPr eaLnBrk="1" hangingPunct="1"/>
             <a:r>
-              <a:rPr lang="en-US" altLang="en-US"/>
+              <a:rPr lang="en-US" altLang="en-US" dirty="0"/>
               <a:t>About Y-axis</a:t>
             </a:r>
           </a:p>
           <a:p>
             <a:pPr eaLnBrk="1" hangingPunct="1"/>
-            <a:endParaRPr lang="en-US" altLang="en-US"/>
+            <a:endParaRPr lang="en-US" altLang="en-US" dirty="0"/>
           </a:p>
           <a:p>
             <a:pPr eaLnBrk="1" hangingPunct="1"/>
-            <a:endParaRPr lang="en-US" altLang="en-US"/>
+            <a:endParaRPr lang="en-US" altLang="en-US" dirty="0"/>
           </a:p>
           <a:p>
             <a:pPr eaLnBrk="1" hangingPunct="1"/>
             <a:r>
-              <a:rPr lang="en-US" altLang="en-US"/>
+              <a:rPr lang="en-US" altLang="en-US" dirty="0"/>
               <a:t>About X-axis</a:t>
             </a:r>
           </a:p>
         </p:txBody>
       </p:sp>
-      <mc:AlternateContent xmlns:mc="http://schemas.openxmlformats.org/markup-compatibility/2006">
-        <mc:Choice xmlns:a14="http://schemas.microsoft.com/office/drawing/2010/main" Requires="a14">
+      <mc:AlternateContent xmlns:mc="http://schemas.openxmlformats.org/markup-compatibility/2006" xmlns:a14="http://schemas.microsoft.com/office/drawing/2010/main">
+        <mc:Choice Requires="a14">
           <p:sp>
             <p:nvSpPr>
               <p:cNvPr id="8" name="TextBox 7">
@@ -19539,6 +19518,7 @@
               </a:bodyPr>
               <a:lstStyle/>
               <a:p>
+                <a:pPr/>
                 <a14:m>
                   <m:oMathPara xmlns:m="http://schemas.openxmlformats.org/officeDocument/2006/math">
                     <m:oMathParaPr>
@@ -19886,7 +19866,7 @@
             </p:txBody>
           </p:sp>
         </mc:Choice>
-        <mc:Fallback>
+        <mc:Fallback xmlns="">
           <p:sp>
             <p:nvSpPr>
               <p:cNvPr id="8" name="TextBox 7">
@@ -19948,7 +19928,7 @@
             <p:spPr>
               <a:xfrm>
                 <a:off x="4183241" y="4953000"/>
-                <a:ext cx="4310795" cy="1360629"/>
+                <a:ext cx="4423006" cy="1360629"/>
               </a:xfrm>
               <a:prstGeom prst="rect">
                 <a:avLst/>
@@ -19961,6 +19941,7 @@
               </a:bodyPr>
               <a:lstStyle/>
               <a:p>
+                <a:pPr/>
                 <a14:m>
                   <m:oMathPara xmlns:m="http://schemas.openxmlformats.org/officeDocument/2006/math">
                     <m:oMathParaPr>
@@ -20082,10 +20063,18 @@
                             </m:mr>
                             <m:mr>
                               <m:e>
+                                <m:r>
+                                  <a:rPr lang="en-US" altLang="en-US" sz="2400" b="0" i="1" smtClean="0">
+                                    <a:latin typeface="Cambria Math" panose="02040503050406030204" pitchFamily="18" charset="0"/>
+                                  </a:rPr>
+                                  <m:t>0</m:t>
+                                </m:r>
+                              </m:e>
+                              <m:e>
                                 <m:func>
                                   <m:funcPr>
                                     <m:ctrlPr>
-                                      <a:rPr lang="en-US" altLang="en-US" sz="2400" b="0" i="1" smtClean="0">
+                                      <a:rPr lang="en-US" altLang="en-US" sz="2400" b="0" i="1">
                                         <a:latin typeface="Cambria Math" panose="02040503050406030204" pitchFamily="18" charset="0"/>
                                       </a:rPr>
                                     </m:ctrlPr>
@@ -20095,7 +20084,7 @@
                                       <m:rPr>
                                         <m:sty m:val="p"/>
                                       </m:rPr>
-                                      <a:rPr lang="en-US" altLang="en-US" sz="2400" b="0" i="0" smtClean="0">
+                                      <a:rPr lang="en-US" altLang="en-US" sz="2400" b="0">
                                         <a:latin typeface="Cambria Math" panose="02040503050406030204" pitchFamily="18" charset="0"/>
                                       </a:rPr>
                                       <m:t>cos</m:t>
@@ -20103,7 +20092,7 @@
                                   </m:fName>
                                   <m:e>
                                     <m:r>
-                                      <a:rPr lang="en-US" altLang="en-US" sz="2400" i="1" smtClean="0">
+                                      <a:rPr lang="en-US" altLang="en-US" sz="2400" i="1">
                                         <a:latin typeface="Cambria Math" panose="02040503050406030204" pitchFamily="18" charset="0"/>
                                         <a:ea typeface="Cambria Math" panose="02040503050406030204" pitchFamily="18" charset="0"/>
                                       </a:rPr>
@@ -20116,14 +20105,14 @@
                                 <m:func>
                                   <m:funcPr>
                                     <m:ctrlPr>
-                                      <a:rPr lang="en-US" altLang="en-US" sz="2400" b="0" i="1" smtClean="0">
+                                      <a:rPr lang="en-US" altLang="en-US" sz="2400" b="0" i="1">
                                         <a:latin typeface="Cambria Math" panose="02040503050406030204" pitchFamily="18" charset="0"/>
                                       </a:rPr>
                                     </m:ctrlPr>
                                   </m:funcPr>
                                   <m:fName>
                                     <m:r>
-                                      <a:rPr lang="en-US" altLang="en-US" sz="2400" b="0" i="0" smtClean="0">
+                                      <a:rPr lang="en-US" altLang="en-US" sz="2400" b="0">
                                         <a:latin typeface="Cambria Math" panose="02040503050406030204" pitchFamily="18" charset="0"/>
                                       </a:rPr>
                                       <m:t>−</m:t>
@@ -20133,7 +20122,7 @@
                                         <m:sty m:val="p"/>
                                         <m:brk m:alnAt="7"/>
                                       </m:rPr>
-                                      <a:rPr lang="en-US" altLang="en-US" sz="2400" b="0" i="0" smtClean="0">
+                                      <a:rPr lang="en-US" altLang="en-US" sz="2400" b="0">
                                         <a:latin typeface="Cambria Math" panose="02040503050406030204" pitchFamily="18" charset="0"/>
                                       </a:rPr>
                                       <m:t>s</m:t>
@@ -20142,7 +20131,7 @@
                                       <m:rPr>
                                         <m:sty m:val="p"/>
                                       </m:rPr>
-                                      <a:rPr lang="en-US" altLang="en-US" sz="2400" b="0" i="0" smtClean="0">
+                                      <a:rPr lang="en-US" altLang="en-US" sz="2400" b="0">
                                         <a:latin typeface="Cambria Math" panose="02040503050406030204" pitchFamily="18" charset="0"/>
                                       </a:rPr>
                                       <m:t>in</m:t>
@@ -20150,7 +20139,7 @@
                                   </m:fName>
                                   <m:e>
                                     <m:r>
-                                      <a:rPr lang="en-US" altLang="en-US" sz="2400" i="1" smtClean="0">
+                                      <a:rPr lang="en-US" altLang="en-US" sz="2400" i="1">
                                         <a:latin typeface="Cambria Math" panose="02040503050406030204" pitchFamily="18" charset="0"/>
                                         <a:ea typeface="Cambria Math" panose="02040503050406030204" pitchFamily="18" charset="0"/>
                                       </a:rPr>
@@ -20167,6 +20156,8 @@
                                   <m:t>0</m:t>
                                 </m:r>
                               </m:e>
+                            </m:mr>
+                            <m:mr>
                               <m:e>
                                 <m:r>
                                   <a:rPr lang="en-US" altLang="en-US" sz="2400" b="0" i="1" smtClean="0">
@@ -20175,13 +20166,11 @@
                                   <m:t>0</m:t>
                                 </m:r>
                               </m:e>
-                            </m:mr>
-                            <m:mr>
                               <m:e>
                                 <m:func>
                                   <m:funcPr>
                                     <m:ctrlPr>
-                                      <a:rPr lang="en-US" altLang="en-US" sz="2400" b="0" i="1" smtClean="0">
+                                      <a:rPr lang="en-US" altLang="en-US" sz="2400" b="0" i="1">
                                         <a:latin typeface="Cambria Math" panose="02040503050406030204" pitchFamily="18" charset="0"/>
                                       </a:rPr>
                                     </m:ctrlPr>
@@ -20192,7 +20181,7 @@
                                         <m:sty m:val="p"/>
                                         <m:brk m:alnAt="7"/>
                                       </m:rPr>
-                                      <a:rPr lang="en-US" altLang="en-US" sz="2400" b="0" i="0" smtClean="0">
+                                      <a:rPr lang="en-US" altLang="en-US" sz="2400" b="0">
                                         <a:latin typeface="Cambria Math" panose="02040503050406030204" pitchFamily="18" charset="0"/>
                                       </a:rPr>
                                       <m:t>s</m:t>
@@ -20201,7 +20190,7 @@
                                       <m:rPr>
                                         <m:sty m:val="p"/>
                                       </m:rPr>
-                                      <a:rPr lang="en-US" altLang="en-US" sz="2400" b="0" i="0" smtClean="0">
+                                      <a:rPr lang="en-US" altLang="en-US" sz="2400" b="0">
                                         <a:latin typeface="Cambria Math" panose="02040503050406030204" pitchFamily="18" charset="0"/>
                                       </a:rPr>
                                       <m:t>in</m:t>
@@ -20209,7 +20198,7 @@
                                   </m:fName>
                                   <m:e>
                                     <m:r>
-                                      <a:rPr lang="en-US" altLang="en-US" sz="2400" i="1" smtClean="0">
+                                      <a:rPr lang="en-US" altLang="en-US" sz="2400" i="1">
                                         <a:latin typeface="Cambria Math" panose="02040503050406030204" pitchFamily="18" charset="0"/>
                                         <a:ea typeface="Cambria Math" panose="02040503050406030204" pitchFamily="18" charset="0"/>
                                       </a:rPr>
@@ -20222,7 +20211,7 @@
                                 <m:func>
                                   <m:funcPr>
                                     <m:ctrlPr>
-                                      <a:rPr lang="en-US" altLang="en-US" sz="2400" b="0" i="1" smtClean="0">
+                                      <a:rPr lang="en-US" altLang="en-US" sz="2400" b="0" i="1">
                                         <a:latin typeface="Cambria Math" panose="02040503050406030204" pitchFamily="18" charset="0"/>
                                       </a:rPr>
                                     </m:ctrlPr>
@@ -20232,7 +20221,7 @@
                                       <m:rPr>
                                         <m:sty m:val="p"/>
                                       </m:rPr>
-                                      <a:rPr lang="en-US" altLang="en-US" sz="2400" b="0" i="0" smtClean="0">
+                                      <a:rPr lang="en-US" altLang="en-US" sz="2400" b="0">
                                         <a:latin typeface="Cambria Math" panose="02040503050406030204" pitchFamily="18" charset="0"/>
                                       </a:rPr>
                                       <m:t>cos</m:t>
@@ -20240,7 +20229,7 @@
                                   </m:fName>
                                   <m:e>
                                     <m:r>
-                                      <a:rPr lang="en-US" altLang="en-US" sz="2400" i="1" smtClean="0">
+                                      <a:rPr lang="en-US" altLang="en-US" sz="2400" i="1">
                                         <a:latin typeface="Cambria Math" panose="02040503050406030204" pitchFamily="18" charset="0"/>
                                         <a:ea typeface="Cambria Math" panose="02040503050406030204" pitchFamily="18" charset="0"/>
                                       </a:rPr>
@@ -20248,14 +20237,6 @@
                                     </m:r>
                                   </m:e>
                                 </m:func>
-                              </m:e>
-                              <m:e>
-                                <m:r>
-                                  <a:rPr lang="en-US" sz="2400" b="0" i="1" smtClean="0">
-                                    <a:latin typeface="Cambria Math" panose="02040503050406030204" pitchFamily="18" charset="0"/>
-                                  </a:rPr>
-                                  <m:t>1</m:t>
-                                </m:r>
                               </m:e>
                               <m:e>
                                 <m:r>
@@ -20329,7 +20310,7 @@
             <p:spPr>
               <a:xfrm>
                 <a:off x="4183241" y="4953000"/>
-                <a:ext cx="4310795" cy="1360629"/>
+                <a:ext cx="4423006" cy="1360629"/>
               </a:xfrm>
               <a:prstGeom prst="rect">
                 <a:avLst/>
@@ -20356,8 +20337,8 @@
           </p:sp>
         </mc:Fallback>
       </mc:AlternateContent>
-      <mc:AlternateContent xmlns:mc="http://schemas.openxmlformats.org/markup-compatibility/2006">
-        <mc:Choice xmlns:a14="http://schemas.microsoft.com/office/drawing/2010/main" Requires="a14">
+      <mc:AlternateContent xmlns:mc="http://schemas.openxmlformats.org/markup-compatibility/2006" xmlns:a14="http://schemas.microsoft.com/office/drawing/2010/main">
+        <mc:Choice Requires="a14">
           <p:sp>
             <p:nvSpPr>
               <p:cNvPr id="10" name="TextBox 9">
@@ -20386,6 +20367,7 @@
               </a:bodyPr>
               <a:lstStyle/>
               <a:p>
+                <a:pPr/>
                 <a14:m>
                   <m:oMathPara xmlns:m="http://schemas.openxmlformats.org/officeDocument/2006/math">
                     <m:oMathParaPr>
@@ -20733,7 +20715,7 @@
             </p:txBody>
           </p:sp>
         </mc:Choice>
-        <mc:Fallback>
+        <mc:Fallback xmlns="">
           <p:sp>
             <p:nvSpPr>
               <p:cNvPr id="10" name="TextBox 9">
@@ -21995,8 +21977,8 @@
           </a:p>
         </p:txBody>
       </p:sp>
-      <mc:AlternateContent xmlns:mc="http://schemas.openxmlformats.org/markup-compatibility/2006">
-        <mc:Choice xmlns:a14="http://schemas.microsoft.com/office/drawing/2010/main" Requires="a14">
+      <mc:AlternateContent xmlns:mc="http://schemas.openxmlformats.org/markup-compatibility/2006" xmlns:a14="http://schemas.microsoft.com/office/drawing/2010/main">
+        <mc:Choice Requires="a14">
           <p:sp>
             <p:nvSpPr>
               <p:cNvPr id="9" name="Rectangle 8">
@@ -22024,6 +22006,7 @@
               </a:bodyPr>
               <a:lstStyle/>
               <a:p>
+                <a:pPr/>
                 <a14:m>
                   <m:oMathPara xmlns:m="http://schemas.openxmlformats.org/officeDocument/2006/math">
                     <m:oMathParaPr>
@@ -22186,7 +22169,7 @@
             </p:txBody>
           </p:sp>
         </mc:Choice>
-        <mc:Fallback>
+        <mc:Fallback xmlns="">
           <p:sp>
             <p:nvSpPr>
               <p:cNvPr id="9" name="Rectangle 8">
@@ -22231,8 +22214,8 @@
           </p:sp>
         </mc:Fallback>
       </mc:AlternateContent>
-      <mc:AlternateContent xmlns:mc="http://schemas.openxmlformats.org/markup-compatibility/2006">
-        <mc:Choice xmlns:a14="http://schemas.microsoft.com/office/drawing/2010/main" Requires="a14">
+      <mc:AlternateContent xmlns:mc="http://schemas.openxmlformats.org/markup-compatibility/2006" xmlns:a14="http://schemas.microsoft.com/office/drawing/2010/main">
+        <mc:Choice Requires="a14">
           <p:sp>
             <p:nvSpPr>
               <p:cNvPr id="10" name="Rectangle 9">
@@ -22260,6 +22243,7 @@
               </a:bodyPr>
               <a:lstStyle/>
               <a:p>
+                <a:pPr/>
                 <a14:m>
                   <m:oMathPara xmlns:m="http://schemas.openxmlformats.org/officeDocument/2006/math">
                     <m:oMathParaPr>
@@ -22311,7 +22295,7 @@
             </p:txBody>
           </p:sp>
         </mc:Choice>
-        <mc:Fallback>
+        <mc:Fallback xmlns="">
           <p:sp>
             <p:nvSpPr>
               <p:cNvPr id="10" name="Rectangle 9">
@@ -22356,8 +22340,8 @@
           </p:sp>
         </mc:Fallback>
       </mc:AlternateContent>
-      <mc:AlternateContent xmlns:mc="http://schemas.openxmlformats.org/markup-compatibility/2006">
-        <mc:Choice xmlns:a14="http://schemas.microsoft.com/office/drawing/2010/main" Requires="a14">
+      <mc:AlternateContent xmlns:mc="http://schemas.openxmlformats.org/markup-compatibility/2006" xmlns:a14="http://schemas.microsoft.com/office/drawing/2010/main">
+        <mc:Choice Requires="a14">
           <p:sp>
             <p:nvSpPr>
               <p:cNvPr id="11" name="Rectangle 10">
@@ -22385,6 +22369,7 @@
               </a:bodyPr>
               <a:lstStyle/>
               <a:p>
+                <a:pPr/>
                 <a14:m>
                   <m:oMathPara xmlns:m="http://schemas.openxmlformats.org/officeDocument/2006/math">
                     <m:oMathParaPr>
@@ -22551,7 +22536,7 @@
             </p:txBody>
           </p:sp>
         </mc:Choice>
-        <mc:Fallback>
+        <mc:Fallback xmlns="">
           <p:sp>
             <p:nvSpPr>
               <p:cNvPr id="11" name="Rectangle 10">
@@ -22596,8 +22581,8 @@
           </p:sp>
         </mc:Fallback>
       </mc:AlternateContent>
-      <mc:AlternateContent xmlns:mc="http://schemas.openxmlformats.org/markup-compatibility/2006">
-        <mc:Choice xmlns:a14="http://schemas.microsoft.com/office/drawing/2010/main" Requires="a14">
+      <mc:AlternateContent xmlns:mc="http://schemas.openxmlformats.org/markup-compatibility/2006" xmlns:a14="http://schemas.microsoft.com/office/drawing/2010/main">
+        <mc:Choice Requires="a14">
           <p:sp>
             <p:nvSpPr>
               <p:cNvPr id="12" name="Rectangle 11">
@@ -22625,6 +22610,7 @@
               </a:bodyPr>
               <a:lstStyle/>
               <a:p>
+                <a:pPr/>
                 <a14:m>
                   <m:oMathPara xmlns:m="http://schemas.openxmlformats.org/officeDocument/2006/math">
                     <m:oMathParaPr>
@@ -22690,7 +22676,7 @@
             </p:txBody>
           </p:sp>
         </mc:Choice>
-        <mc:Fallback>
+        <mc:Fallback xmlns="">
           <p:sp>
             <p:nvSpPr>
               <p:cNvPr id="12" name="Rectangle 11">
@@ -22999,8 +22985,8 @@
           </a:p>
         </p:txBody>
       </p:sp>
-      <mc:AlternateContent xmlns:mc="http://schemas.openxmlformats.org/markup-compatibility/2006">
-        <mc:Choice xmlns:a14="http://schemas.microsoft.com/office/drawing/2010/main" Requires="a14">
+      <mc:AlternateContent xmlns:mc="http://schemas.openxmlformats.org/markup-compatibility/2006" xmlns:a14="http://schemas.microsoft.com/office/drawing/2010/main">
+        <mc:Choice Requires="a14">
           <p:sp>
             <p:nvSpPr>
               <p:cNvPr id="7172" name="Rectangle 3">
@@ -23157,7 +23143,7 @@
             </p:txBody>
           </p:sp>
         </mc:Choice>
-        <mc:Fallback>
+        <mc:Fallback xmlns="">
           <p:sp>
             <p:nvSpPr>
               <p:cNvPr id="7172" name="Rectangle 3">
@@ -24067,8 +24053,8 @@
           </a:p>
         </p:txBody>
       </p:sp>
-      <mc:AlternateContent xmlns:mc="http://schemas.openxmlformats.org/markup-compatibility/2006">
-        <mc:Choice xmlns:a14="http://schemas.microsoft.com/office/drawing/2010/main" Requires="a14">
+      <mc:AlternateContent xmlns:mc="http://schemas.openxmlformats.org/markup-compatibility/2006" xmlns:a14="http://schemas.microsoft.com/office/drawing/2010/main">
+        <mc:Choice Requires="a14">
           <p:sp>
             <p:nvSpPr>
               <p:cNvPr id="11" name="Rectangle 10">
@@ -24096,6 +24082,7 @@
               </a:bodyPr>
               <a:lstStyle/>
               <a:p>
+                <a:pPr/>
                 <a14:m>
                   <m:oMathPara xmlns:m="http://schemas.openxmlformats.org/officeDocument/2006/math">
                     <m:oMathParaPr>
@@ -24229,7 +24216,7 @@
             </p:txBody>
           </p:sp>
         </mc:Choice>
-        <mc:Fallback>
+        <mc:Fallback xmlns="">
           <p:sp>
             <p:nvSpPr>
               <p:cNvPr id="11" name="Rectangle 10">
@@ -24274,8 +24261,8 @@
           </p:sp>
         </mc:Fallback>
       </mc:AlternateContent>
-      <mc:AlternateContent xmlns:mc="http://schemas.openxmlformats.org/markup-compatibility/2006">
-        <mc:Choice xmlns:a14="http://schemas.microsoft.com/office/drawing/2010/main" Requires="a14">
+      <mc:AlternateContent xmlns:mc="http://schemas.openxmlformats.org/markup-compatibility/2006" xmlns:a14="http://schemas.microsoft.com/office/drawing/2010/main">
+        <mc:Choice Requires="a14">
           <p:sp>
             <p:nvSpPr>
               <p:cNvPr id="12" name="Rectangle 11">
@@ -24303,6 +24290,7 @@
               </a:bodyPr>
               <a:lstStyle/>
               <a:p>
+                <a:pPr/>
                 <a14:m>
                   <m:oMathPara xmlns:m="http://schemas.openxmlformats.org/officeDocument/2006/math">
                     <m:oMathParaPr>
@@ -24419,13 +24407,7 @@
                                       <a:rPr lang="en-US" altLang="en-US" b="0" i="1" smtClean="0">
                                         <a:latin typeface="Cambria Math" panose="02040503050406030204" pitchFamily="18" charset="0"/>
                                       </a:rPr>
-                                      <m:t>𝑎</m:t>
-                                    </m:r>
-                                    <m:r>
-                                      <a:rPr lang="en-US" altLang="en-US" b="0" i="1" smtClean="0">
-                                        <a:latin typeface="Cambria Math" panose="02040503050406030204" pitchFamily="18" charset="0"/>
-                                      </a:rPr>
-                                      <m:t>𝑡</m:t>
+                                      <m:t>𝑎𝑡</m:t>
                                     </m:r>
                                   </m:sub>
                                 </m:sSub>
@@ -24598,7 +24580,7 @@
             </p:txBody>
           </p:sp>
         </mc:Choice>
-        <mc:Fallback>
+        <mc:Fallback xmlns="">
           <p:sp>
             <p:nvSpPr>
               <p:cNvPr id="12" name="Rectangle 11">
@@ -24643,8 +24625,8 @@
           </p:sp>
         </mc:Fallback>
       </mc:AlternateContent>
-      <mc:AlternateContent xmlns:mc="http://schemas.openxmlformats.org/markup-compatibility/2006">
-        <mc:Choice xmlns:a14="http://schemas.microsoft.com/office/drawing/2010/main" Requires="a14">
+      <mc:AlternateContent xmlns:mc="http://schemas.openxmlformats.org/markup-compatibility/2006" xmlns:a14="http://schemas.microsoft.com/office/drawing/2010/main">
+        <mc:Choice Requires="a14">
           <p:sp>
             <p:nvSpPr>
               <p:cNvPr id="13" name="Rectangle 12">
@@ -24672,6 +24654,7 @@
               </a:bodyPr>
               <a:lstStyle/>
               <a:p>
+                <a:pPr/>
                 <a14:m>
                   <m:oMathPara xmlns:m="http://schemas.openxmlformats.org/officeDocument/2006/math">
                     <m:oMathParaPr>
@@ -24699,13 +24682,7 @@
                             <a:rPr lang="en-US" altLang="en-US" b="0" i="1" smtClean="0">
                               <a:latin typeface="Cambria Math" panose="02040503050406030204" pitchFamily="18" charset="0"/>
                             </a:rPr>
-                            <m:t>𝑎</m:t>
-                          </m:r>
-                          <m:r>
-                            <a:rPr lang="en-US" altLang="en-US" b="0" i="1" smtClean="0">
-                              <a:latin typeface="Cambria Math" panose="02040503050406030204" pitchFamily="18" charset="0"/>
-                            </a:rPr>
-                            <m:t>𝑡</m:t>
+                            <m:t>𝑎𝑡</m:t>
                           </m:r>
                         </m:sub>
                       </m:sSub>
@@ -24864,7 +24841,7 @@
             </p:txBody>
           </p:sp>
         </mc:Choice>
-        <mc:Fallback>
+        <mc:Fallback xmlns="">
           <p:sp>
             <p:nvSpPr>
               <p:cNvPr id="13" name="Rectangle 12">
@@ -25178,7 +25155,7 @@
             </a:extLst>
           </p:cNvPr>
           <p:cNvSpPr>
-            <a:spLocks noChangeAspect="1" noChangeArrowheads="1"/>
+            <a:spLocks noGrp="1" noChangeAspect="1" noChangeArrowheads="1"/>
           </p:cNvSpPr>
           <p:nvPr>
             <p:ph type="body" idx="1"/>
@@ -25364,8 +25341,8 @@
           </a:extLst>
         </p:spPr>
       </p:pic>
-      <mc:AlternateContent xmlns:mc="http://schemas.openxmlformats.org/markup-compatibility/2006">
-        <mc:Choice xmlns:a14="http://schemas.microsoft.com/office/drawing/2010/main" Requires="a14">
+      <mc:AlternateContent xmlns:mc="http://schemas.openxmlformats.org/markup-compatibility/2006" xmlns:a14="http://schemas.microsoft.com/office/drawing/2010/main">
+        <mc:Choice Requires="a14">
           <p:sp>
             <p:nvSpPr>
               <p:cNvPr id="9" name="Rectangle 8">
@@ -25393,6 +25370,7 @@
               </a:bodyPr>
               <a:lstStyle/>
               <a:p>
+                <a:pPr/>
                 <a14:m>
                   <m:oMathPara xmlns:m="http://schemas.openxmlformats.org/officeDocument/2006/math">
                     <m:oMathParaPr>
@@ -25585,7 +25563,7 @@
             </p:txBody>
           </p:sp>
         </mc:Choice>
-        <mc:Fallback>
+        <mc:Fallback xmlns="">
           <p:sp>
             <p:nvSpPr>
               <p:cNvPr id="9" name="Rectangle 8">
@@ -25630,8 +25608,8 @@
           </p:sp>
         </mc:Fallback>
       </mc:AlternateContent>
-      <mc:AlternateContent xmlns:mc="http://schemas.openxmlformats.org/markup-compatibility/2006">
-        <mc:Choice xmlns:a14="http://schemas.microsoft.com/office/drawing/2010/main" Requires="a14">
+      <mc:AlternateContent xmlns:mc="http://schemas.openxmlformats.org/markup-compatibility/2006" xmlns:a14="http://schemas.microsoft.com/office/drawing/2010/main">
+        <mc:Choice Requires="a14">
           <p:sp>
             <p:nvSpPr>
               <p:cNvPr id="10" name="Rectangle 9">
@@ -25659,6 +25637,7 @@
               </a:bodyPr>
               <a:lstStyle/>
               <a:p>
+                <a:pPr/>
                 <a14:m>
                   <m:oMathPara xmlns:m="http://schemas.openxmlformats.org/officeDocument/2006/math">
                     <m:oMathParaPr>
@@ -25775,13 +25754,7 @@
                                       <a:rPr lang="en-US" altLang="en-US" b="0" i="1" smtClean="0">
                                         <a:latin typeface="Cambria Math" panose="02040503050406030204" pitchFamily="18" charset="0"/>
                                       </a:rPr>
-                                      <m:t>𝑎</m:t>
-                                    </m:r>
-                                    <m:r>
-                                      <a:rPr lang="en-US" altLang="en-US" b="0" i="1" smtClean="0">
-                                        <a:latin typeface="Cambria Math" panose="02040503050406030204" pitchFamily="18" charset="0"/>
-                                      </a:rPr>
-                                      <m:t>𝑡</m:t>
+                                      <m:t>𝑎𝑡</m:t>
                                     </m:r>
                                   </m:sub>
                                 </m:sSub>
@@ -25902,6 +25875,7 @@
                 </a:endParaRPr>
               </a:p>
               <a:p>
+                <a:pPr/>
                 <a14:m>
                   <m:oMathPara xmlns:m="http://schemas.openxmlformats.org/officeDocument/2006/math">
                     <m:oMathParaPr>
@@ -26193,7 +26167,7 @@
             </p:txBody>
           </p:sp>
         </mc:Choice>
-        <mc:Fallback>
+        <mc:Fallback xmlns="">
           <p:sp>
             <p:nvSpPr>
               <p:cNvPr id="10" name="Rectangle 9">
@@ -28003,8 +27977,8 @@
           </a:extLst>
         </p:spPr>
       </p:pic>
-      <mc:AlternateContent xmlns:mc="http://schemas.openxmlformats.org/markup-compatibility/2006">
-        <mc:Choice xmlns:a14="http://schemas.microsoft.com/office/drawing/2010/main" Requires="a14">
+      <mc:AlternateContent xmlns:mc="http://schemas.openxmlformats.org/markup-compatibility/2006" xmlns:a14="http://schemas.microsoft.com/office/drawing/2010/main">
+        <mc:Choice Requires="a14">
           <p:sp>
             <p:nvSpPr>
               <p:cNvPr id="8" name="Rectangle 7">
@@ -28032,6 +28006,7 @@
               </a:bodyPr>
               <a:lstStyle/>
               <a:p>
+                <a:pPr/>
                 <a14:m>
                   <m:oMathPara xmlns:m="http://schemas.openxmlformats.org/officeDocument/2006/math">
                     <m:oMathParaPr>
@@ -28151,7 +28126,7 @@
             </p:txBody>
           </p:sp>
         </mc:Choice>
-        <mc:Fallback>
+        <mc:Fallback xmlns="">
           <p:sp>
             <p:nvSpPr>
               <p:cNvPr id="8" name="Rectangle 7">
